--- a/vi디자인.pptx
+++ b/vi디자인.pptx
@@ -10,7 +10,9 @@
     <p:sldId id="259" r:id="rId4"/>
     <p:sldId id="258" r:id="rId5"/>
     <p:sldId id="260" r:id="rId6"/>
-    <p:sldId id="261" r:id="rId7"/>
+    <p:sldId id="262" r:id="rId7"/>
+    <p:sldId id="261" r:id="rId8"/>
+    <p:sldId id="263" r:id="rId9"/>
   </p:sldIdLst>
   <p:sldSz cx="12192000" cy="6858000"/>
   <p:notesSz cx="6858000" cy="9144000"/>
@@ -264,7 +266,7 @@
           <a:p>
             <a:fld id="{2BAEF535-41B8-40E6-B4F3-F97914C7F9A4}" type="datetimeFigureOut">
               <a:rPr lang="ko-KR" altLang="en-US" smtClean="0"/>
-              <a:t>2023-09-04</a:t>
+              <a:t>2023-10-01</a:t>
             </a:fld>
             <a:endParaRPr lang="ko-KR" altLang="en-US"/>
           </a:p>
@@ -462,7 +464,7 @@
           <a:p>
             <a:fld id="{2BAEF535-41B8-40E6-B4F3-F97914C7F9A4}" type="datetimeFigureOut">
               <a:rPr lang="ko-KR" altLang="en-US" smtClean="0"/>
-              <a:t>2023-09-04</a:t>
+              <a:t>2023-10-01</a:t>
             </a:fld>
             <a:endParaRPr lang="ko-KR" altLang="en-US"/>
           </a:p>
@@ -670,7 +672,7 @@
           <a:p>
             <a:fld id="{2BAEF535-41B8-40E6-B4F3-F97914C7F9A4}" type="datetimeFigureOut">
               <a:rPr lang="ko-KR" altLang="en-US" smtClean="0"/>
-              <a:t>2023-09-04</a:t>
+              <a:t>2023-10-01</a:t>
             </a:fld>
             <a:endParaRPr lang="ko-KR" altLang="en-US"/>
           </a:p>
@@ -868,7 +870,7 @@
           <a:p>
             <a:fld id="{2BAEF535-41B8-40E6-B4F3-F97914C7F9A4}" type="datetimeFigureOut">
               <a:rPr lang="ko-KR" altLang="en-US" smtClean="0"/>
-              <a:t>2023-09-04</a:t>
+              <a:t>2023-10-01</a:t>
             </a:fld>
             <a:endParaRPr lang="ko-KR" altLang="en-US"/>
           </a:p>
@@ -1143,7 +1145,7 @@
           <a:p>
             <a:fld id="{2BAEF535-41B8-40E6-B4F3-F97914C7F9A4}" type="datetimeFigureOut">
               <a:rPr lang="ko-KR" altLang="en-US" smtClean="0"/>
-              <a:t>2023-09-04</a:t>
+              <a:t>2023-10-01</a:t>
             </a:fld>
             <a:endParaRPr lang="ko-KR" altLang="en-US"/>
           </a:p>
@@ -1408,7 +1410,7 @@
           <a:p>
             <a:fld id="{2BAEF535-41B8-40E6-B4F3-F97914C7F9A4}" type="datetimeFigureOut">
               <a:rPr lang="ko-KR" altLang="en-US" smtClean="0"/>
-              <a:t>2023-09-04</a:t>
+              <a:t>2023-10-01</a:t>
             </a:fld>
             <a:endParaRPr lang="ko-KR" altLang="en-US"/>
           </a:p>
@@ -1820,7 +1822,7 @@
           <a:p>
             <a:fld id="{2BAEF535-41B8-40E6-B4F3-F97914C7F9A4}" type="datetimeFigureOut">
               <a:rPr lang="ko-KR" altLang="en-US" smtClean="0"/>
-              <a:t>2023-09-04</a:t>
+              <a:t>2023-10-01</a:t>
             </a:fld>
             <a:endParaRPr lang="ko-KR" altLang="en-US"/>
           </a:p>
@@ -1961,7 +1963,7 @@
           <a:p>
             <a:fld id="{2BAEF535-41B8-40E6-B4F3-F97914C7F9A4}" type="datetimeFigureOut">
               <a:rPr lang="ko-KR" altLang="en-US" smtClean="0"/>
-              <a:t>2023-09-04</a:t>
+              <a:t>2023-10-01</a:t>
             </a:fld>
             <a:endParaRPr lang="ko-KR" altLang="en-US"/>
           </a:p>
@@ -2074,7 +2076,7 @@
           <a:p>
             <a:fld id="{2BAEF535-41B8-40E6-B4F3-F97914C7F9A4}" type="datetimeFigureOut">
               <a:rPr lang="ko-KR" altLang="en-US" smtClean="0"/>
-              <a:t>2023-09-04</a:t>
+              <a:t>2023-10-01</a:t>
             </a:fld>
             <a:endParaRPr lang="ko-KR" altLang="en-US"/>
           </a:p>
@@ -2385,7 +2387,7 @@
           <a:p>
             <a:fld id="{2BAEF535-41B8-40E6-B4F3-F97914C7F9A4}" type="datetimeFigureOut">
               <a:rPr lang="ko-KR" altLang="en-US" smtClean="0"/>
-              <a:t>2023-09-04</a:t>
+              <a:t>2023-10-01</a:t>
             </a:fld>
             <a:endParaRPr lang="ko-KR" altLang="en-US"/>
           </a:p>
@@ -2673,7 +2675,7 @@
           <a:p>
             <a:fld id="{2BAEF535-41B8-40E6-B4F3-F97914C7F9A4}" type="datetimeFigureOut">
               <a:rPr lang="ko-KR" altLang="en-US" smtClean="0"/>
-              <a:t>2023-09-04</a:t>
+              <a:t>2023-10-01</a:t>
             </a:fld>
             <a:endParaRPr lang="ko-KR" altLang="en-US"/>
           </a:p>
@@ -2914,7 +2916,7 @@
           <a:p>
             <a:fld id="{2BAEF535-41B8-40E6-B4F3-F97914C7F9A4}" type="datetimeFigureOut">
               <a:rPr lang="ko-KR" altLang="en-US" smtClean="0"/>
-              <a:t>2023-09-04</a:t>
+              <a:t>2023-10-01</a:t>
             </a:fld>
             <a:endParaRPr lang="ko-KR" altLang="en-US"/>
           </a:p>
@@ -4945,6 +4947,902 @@
       <p:bgPr>
         <a:solidFill>
           <a:schemeClr val="bg1">
+            <a:lumMod val="75000"/>
+          </a:schemeClr>
+        </a:solidFill>
+        <a:effectLst/>
+      </p:bgPr>
+    </p:bg>
+    <p:spTree>
+      <p:nvGrpSpPr>
+        <p:cNvPr id="1" name=""/>
+        <p:cNvGrpSpPr/>
+        <p:nvPr/>
+      </p:nvGrpSpPr>
+      <p:grpSpPr>
+        <a:xfrm>
+          <a:off x="0" y="0"/>
+          <a:ext cx="0" cy="0"/>
+          <a:chOff x="0" y="0"/>
+          <a:chExt cx="0" cy="0"/>
+        </a:xfrm>
+      </p:grpSpPr>
+      <p:sp>
+        <p:nvSpPr>
+          <p:cNvPr id="4" name="직사각형 3">
+            <a:extLst>
+              <a:ext uri="{FF2B5EF4-FFF2-40B4-BE49-F238E27FC236}">
+                <a16:creationId xmlns:a16="http://schemas.microsoft.com/office/drawing/2014/main" id="{56E24274-3699-8176-4DCE-51B7DCCD0F54}"/>
+              </a:ext>
+            </a:extLst>
+          </p:cNvPr>
+          <p:cNvSpPr/>
+          <p:nvPr/>
+        </p:nvSpPr>
+        <p:spPr>
+          <a:xfrm>
+            <a:off x="2156292" y="690563"/>
+            <a:ext cx="3074334" cy="5476874"/>
+          </a:xfrm>
+          <a:prstGeom prst="rect">
+            <a:avLst/>
+          </a:prstGeom>
+          <a:blipFill>
+            <a:blip r:embed="rId2"/>
+            <a:stretch>
+              <a:fillRect/>
+            </a:stretch>
+          </a:blipFill>
+          <a:ln>
+            <a:noFill/>
+          </a:ln>
+        </p:spPr>
+        <p:style>
+          <a:lnRef idx="2">
+            <a:schemeClr val="accent1">
+              <a:shade val="15000"/>
+            </a:schemeClr>
+          </a:lnRef>
+          <a:fillRef idx="1">
+            <a:schemeClr val="accent1"/>
+          </a:fillRef>
+          <a:effectRef idx="0">
+            <a:schemeClr val="accent1"/>
+          </a:effectRef>
+          <a:fontRef idx="minor">
+            <a:schemeClr val="lt1"/>
+          </a:fontRef>
+        </p:style>
+        <p:txBody>
+          <a:bodyPr rtlCol="0" anchor="ctr"/>
+          <a:lstStyle/>
+          <a:p>
+            <a:pPr algn="ctr"/>
+            <a:endParaRPr lang="ko-KR" altLang="en-US"/>
+          </a:p>
+        </p:txBody>
+      </p:sp>
+      <p:sp>
+        <p:nvSpPr>
+          <p:cNvPr id="5" name="사각형: 둥근 모서리 4">
+            <a:extLst>
+              <a:ext uri="{FF2B5EF4-FFF2-40B4-BE49-F238E27FC236}">
+                <a16:creationId xmlns:a16="http://schemas.microsoft.com/office/drawing/2014/main" id="{38F31C72-17AA-E01C-1706-1BFCB1102AA3}"/>
+              </a:ext>
+            </a:extLst>
+          </p:cNvPr>
+          <p:cNvSpPr/>
+          <p:nvPr/>
+        </p:nvSpPr>
+        <p:spPr>
+          <a:xfrm>
+            <a:off x="2600325" y="1167934"/>
+            <a:ext cx="2140884" cy="2140884"/>
+          </a:xfrm>
+          <a:prstGeom prst="roundRect">
+            <a:avLst>
+              <a:gd name="adj" fmla="val 50000"/>
+            </a:avLst>
+          </a:prstGeom>
+          <a:solidFill>
+            <a:schemeClr val="bg1">
+              <a:alpha val="40000"/>
+            </a:schemeClr>
+          </a:solidFill>
+          <a:ln>
+            <a:noFill/>
+          </a:ln>
+          <a:effectLst>
+            <a:outerShdw sx="115000" sy="115000" algn="ctr" rotWithShape="0">
+              <a:schemeClr val="bg1">
+                <a:alpha val="40000"/>
+              </a:schemeClr>
+            </a:outerShdw>
+          </a:effectLst>
+        </p:spPr>
+        <p:style>
+          <a:lnRef idx="2">
+            <a:schemeClr val="accent1">
+              <a:shade val="15000"/>
+            </a:schemeClr>
+          </a:lnRef>
+          <a:fillRef idx="1">
+            <a:schemeClr val="accent1"/>
+          </a:fillRef>
+          <a:effectRef idx="0">
+            <a:schemeClr val="accent1"/>
+          </a:effectRef>
+          <a:fontRef idx="minor">
+            <a:schemeClr val="lt1"/>
+          </a:fontRef>
+        </p:style>
+        <p:txBody>
+          <a:bodyPr rtlCol="0" anchor="ctr"/>
+          <a:lstStyle/>
+          <a:p>
+            <a:pPr algn="ctr"/>
+            <a:endParaRPr lang="ko-KR" altLang="en-US"/>
+          </a:p>
+        </p:txBody>
+      </p:sp>
+      <p:sp>
+        <p:nvSpPr>
+          <p:cNvPr id="6" name="사각형: 둥근 모서리 5">
+            <a:extLst>
+              <a:ext uri="{FF2B5EF4-FFF2-40B4-BE49-F238E27FC236}">
+                <a16:creationId xmlns:a16="http://schemas.microsoft.com/office/drawing/2014/main" id="{D3CC00C6-5EA0-0032-A6E7-6B470DFF743A}"/>
+              </a:ext>
+            </a:extLst>
+          </p:cNvPr>
+          <p:cNvSpPr/>
+          <p:nvPr/>
+        </p:nvSpPr>
+        <p:spPr>
+          <a:xfrm>
+            <a:off x="2379009" y="3869532"/>
+            <a:ext cx="2628900" cy="500061"/>
+          </a:xfrm>
+          <a:prstGeom prst="roundRect">
+            <a:avLst>
+              <a:gd name="adj" fmla="val 50000"/>
+            </a:avLst>
+          </a:prstGeom>
+          <a:solidFill>
+            <a:schemeClr val="bg1"/>
+          </a:solidFill>
+          <a:ln>
+            <a:noFill/>
+          </a:ln>
+          <a:effectLst>
+            <a:outerShdw blurRad="12700" dist="38100" dir="5400000" algn="t" rotWithShape="0">
+              <a:prstClr val="black">
+                <a:alpha val="40000"/>
+              </a:prstClr>
+            </a:outerShdw>
+          </a:effectLst>
+        </p:spPr>
+        <p:style>
+          <a:lnRef idx="2">
+            <a:schemeClr val="accent1">
+              <a:shade val="15000"/>
+            </a:schemeClr>
+          </a:lnRef>
+          <a:fillRef idx="1">
+            <a:schemeClr val="accent1"/>
+          </a:fillRef>
+          <a:effectRef idx="0">
+            <a:schemeClr val="accent1"/>
+          </a:effectRef>
+          <a:fontRef idx="minor">
+            <a:schemeClr val="lt1"/>
+          </a:fontRef>
+        </p:style>
+        <p:txBody>
+          <a:bodyPr rtlCol="0" anchor="ctr"/>
+          <a:lstStyle/>
+          <a:p>
+            <a:pPr algn="ctr"/>
+            <a:r>
+              <a:rPr lang="ko-KR" altLang="en-US" sz="1600" dirty="0">
+                <a:solidFill>
+                  <a:srgbClr val="701589"/>
+                </a:solidFill>
+                <a:latin typeface="나눔고딕 ExtraBold" panose="020D0904000000000000" pitchFamily="50" charset="-127"/>
+                <a:ea typeface="나눔고딕 ExtraBold" panose="020D0904000000000000" pitchFamily="50" charset="-127"/>
+              </a:rPr>
+              <a:t>음성메모</a:t>
+            </a:r>
+          </a:p>
+        </p:txBody>
+      </p:sp>
+      <p:pic>
+        <p:nvPicPr>
+          <p:cNvPr id="7" name="그림 6" descr="로고, 그래픽, 상징이(가) 표시된 사진&#10;&#10;자동 생성된 설명">
+            <a:extLst>
+              <a:ext uri="{FF2B5EF4-FFF2-40B4-BE49-F238E27FC236}">
+                <a16:creationId xmlns:a16="http://schemas.microsoft.com/office/drawing/2014/main" id="{69096883-72AA-C3F5-008E-E36221DB53A8}"/>
+              </a:ext>
+            </a:extLst>
+          </p:cNvPr>
+          <p:cNvPicPr>
+            <a:picLocks noChangeAspect="1"/>
+          </p:cNvPicPr>
+          <p:nvPr/>
+        </p:nvPicPr>
+        <p:blipFill>
+          <a:blip r:embed="rId3">
+            <a:extLst>
+              <a:ext uri="{28A0092B-C50C-407E-A947-70E740481C1C}">
+                <a14:useLocalDpi xmlns:a14="http://schemas.microsoft.com/office/drawing/2010/main" val="0"/>
+              </a:ext>
+            </a:extLst>
+          </a:blip>
+          <a:stretch>
+            <a:fillRect/>
+          </a:stretch>
+        </p:blipFill>
+        <p:spPr>
+          <a:xfrm>
+            <a:off x="2843213" y="1501308"/>
+            <a:ext cx="1583672" cy="1583672"/>
+          </a:xfrm>
+          <a:prstGeom prst="rect">
+            <a:avLst/>
+          </a:prstGeom>
+        </p:spPr>
+      </p:pic>
+      <p:sp>
+        <p:nvSpPr>
+          <p:cNvPr id="8" name="사각형: 둥근 모서리 7">
+            <a:extLst>
+              <a:ext uri="{FF2B5EF4-FFF2-40B4-BE49-F238E27FC236}">
+                <a16:creationId xmlns:a16="http://schemas.microsoft.com/office/drawing/2014/main" id="{210704C7-35ED-E398-5EB2-323EE1D14959}"/>
+              </a:ext>
+            </a:extLst>
+          </p:cNvPr>
+          <p:cNvSpPr/>
+          <p:nvPr/>
+        </p:nvSpPr>
+        <p:spPr>
+          <a:xfrm>
+            <a:off x="2379009" y="4488097"/>
+            <a:ext cx="2628900" cy="500061"/>
+          </a:xfrm>
+          <a:prstGeom prst="roundRect">
+            <a:avLst>
+              <a:gd name="adj" fmla="val 50000"/>
+            </a:avLst>
+          </a:prstGeom>
+          <a:solidFill>
+            <a:srgbClr val="FFFF00"/>
+          </a:solidFill>
+          <a:ln>
+            <a:noFill/>
+          </a:ln>
+          <a:effectLst>
+            <a:outerShdw blurRad="12700" dist="38100" dir="5400000" algn="t" rotWithShape="0">
+              <a:prstClr val="black">
+                <a:alpha val="40000"/>
+              </a:prstClr>
+            </a:outerShdw>
+          </a:effectLst>
+        </p:spPr>
+        <p:style>
+          <a:lnRef idx="2">
+            <a:schemeClr val="accent1">
+              <a:shade val="15000"/>
+            </a:schemeClr>
+          </a:lnRef>
+          <a:fillRef idx="1">
+            <a:schemeClr val="accent1"/>
+          </a:fillRef>
+          <a:effectRef idx="0">
+            <a:schemeClr val="accent1"/>
+          </a:effectRef>
+          <a:fontRef idx="minor">
+            <a:schemeClr val="lt1"/>
+          </a:fontRef>
+        </p:style>
+        <p:txBody>
+          <a:bodyPr rtlCol="0" anchor="ctr"/>
+          <a:lstStyle/>
+          <a:p>
+            <a:pPr algn="ctr"/>
+            <a:r>
+              <a:rPr lang="ko-KR" altLang="en-US" sz="1600" dirty="0">
+                <a:solidFill>
+                  <a:srgbClr val="701589"/>
+                </a:solidFill>
+                <a:latin typeface="나눔고딕 ExtraBold" panose="020D0904000000000000" pitchFamily="50" charset="-127"/>
+                <a:ea typeface="나눔고딕 ExtraBold" panose="020D0904000000000000" pitchFamily="50" charset="-127"/>
+              </a:rPr>
+              <a:t>음성메모</a:t>
+            </a:r>
+          </a:p>
+        </p:txBody>
+      </p:sp>
+      <p:sp>
+        <p:nvSpPr>
+          <p:cNvPr id="9" name="사각형: 둥근 모서리 8">
+            <a:extLst>
+              <a:ext uri="{FF2B5EF4-FFF2-40B4-BE49-F238E27FC236}">
+                <a16:creationId xmlns:a16="http://schemas.microsoft.com/office/drawing/2014/main" id="{5534E90E-F67A-E99E-3F8F-7AD43A64CAF4}"/>
+              </a:ext>
+            </a:extLst>
+          </p:cNvPr>
+          <p:cNvSpPr/>
+          <p:nvPr/>
+        </p:nvSpPr>
+        <p:spPr>
+          <a:xfrm>
+            <a:off x="2379009" y="5106662"/>
+            <a:ext cx="2628900" cy="500061"/>
+          </a:xfrm>
+          <a:prstGeom prst="roundRect">
+            <a:avLst>
+              <a:gd name="adj" fmla="val 50000"/>
+            </a:avLst>
+          </a:prstGeom>
+          <a:solidFill>
+            <a:schemeClr val="bg1"/>
+          </a:solidFill>
+          <a:ln>
+            <a:noFill/>
+          </a:ln>
+          <a:effectLst>
+            <a:outerShdw blurRad="12700" dist="38100" dir="5400000" algn="t" rotWithShape="0">
+              <a:prstClr val="black">
+                <a:alpha val="40000"/>
+              </a:prstClr>
+            </a:outerShdw>
+          </a:effectLst>
+        </p:spPr>
+        <p:style>
+          <a:lnRef idx="2">
+            <a:schemeClr val="accent1">
+              <a:shade val="15000"/>
+            </a:schemeClr>
+          </a:lnRef>
+          <a:fillRef idx="1">
+            <a:schemeClr val="accent1"/>
+          </a:fillRef>
+          <a:effectRef idx="0">
+            <a:schemeClr val="accent1"/>
+          </a:effectRef>
+          <a:fontRef idx="minor">
+            <a:schemeClr val="lt1"/>
+          </a:fontRef>
+        </p:style>
+        <p:txBody>
+          <a:bodyPr rtlCol="0" anchor="ctr"/>
+          <a:lstStyle/>
+          <a:p>
+            <a:pPr algn="ctr"/>
+            <a:r>
+              <a:rPr lang="ko-KR" altLang="en-US" sz="1600" dirty="0">
+                <a:solidFill>
+                  <a:srgbClr val="701589"/>
+                </a:solidFill>
+                <a:latin typeface="나눔고딕 ExtraBold" panose="020D0904000000000000" pitchFamily="50" charset="-127"/>
+                <a:ea typeface="나눔고딕 ExtraBold" panose="020D0904000000000000" pitchFamily="50" charset="-127"/>
+              </a:rPr>
+              <a:t>음성메모</a:t>
+            </a:r>
+          </a:p>
+        </p:txBody>
+      </p:sp>
+      <p:sp>
+        <p:nvSpPr>
+          <p:cNvPr id="17" name="직사각형 16">
+            <a:extLst>
+              <a:ext uri="{FF2B5EF4-FFF2-40B4-BE49-F238E27FC236}">
+                <a16:creationId xmlns:a16="http://schemas.microsoft.com/office/drawing/2014/main" id="{3524317D-E2F4-DB3A-6D26-70FA75873D31}"/>
+              </a:ext>
+            </a:extLst>
+          </p:cNvPr>
+          <p:cNvSpPr/>
+          <p:nvPr/>
+        </p:nvSpPr>
+        <p:spPr>
+          <a:xfrm>
+            <a:off x="5674659" y="690563"/>
+            <a:ext cx="3074333" cy="5476874"/>
+          </a:xfrm>
+          <a:prstGeom prst="rect">
+            <a:avLst/>
+          </a:prstGeom>
+          <a:blipFill>
+            <a:blip r:embed="rId4"/>
+            <a:stretch>
+              <a:fillRect/>
+            </a:stretch>
+          </a:blipFill>
+          <a:ln>
+            <a:noFill/>
+          </a:ln>
+        </p:spPr>
+        <p:style>
+          <a:lnRef idx="2">
+            <a:schemeClr val="accent1">
+              <a:shade val="15000"/>
+            </a:schemeClr>
+          </a:lnRef>
+          <a:fillRef idx="1">
+            <a:schemeClr val="accent1"/>
+          </a:fillRef>
+          <a:effectRef idx="0">
+            <a:schemeClr val="accent1"/>
+          </a:effectRef>
+          <a:fontRef idx="minor">
+            <a:schemeClr val="lt1"/>
+          </a:fontRef>
+        </p:style>
+        <p:txBody>
+          <a:bodyPr rtlCol="0" anchor="ctr"/>
+          <a:lstStyle/>
+          <a:p>
+            <a:pPr algn="ctr"/>
+            <a:endParaRPr lang="ko-KR" altLang="en-US"/>
+          </a:p>
+        </p:txBody>
+      </p:sp>
+      <p:sp>
+        <p:nvSpPr>
+          <p:cNvPr id="18" name="사각형: 둥근 모서리 17">
+            <a:extLst>
+              <a:ext uri="{FF2B5EF4-FFF2-40B4-BE49-F238E27FC236}">
+                <a16:creationId xmlns:a16="http://schemas.microsoft.com/office/drawing/2014/main" id="{2D57AD4C-D884-549E-3D50-44538C80A0F2}"/>
+              </a:ext>
+            </a:extLst>
+          </p:cNvPr>
+          <p:cNvSpPr/>
+          <p:nvPr/>
+        </p:nvSpPr>
+        <p:spPr>
+          <a:xfrm>
+            <a:off x="5674659" y="1738498"/>
+            <a:ext cx="3083857" cy="1109291"/>
+          </a:xfrm>
+          <a:prstGeom prst="roundRect">
+            <a:avLst>
+              <a:gd name="adj" fmla="val 48604"/>
+            </a:avLst>
+          </a:prstGeom>
+          <a:solidFill>
+            <a:schemeClr val="bg1"/>
+          </a:solidFill>
+          <a:ln>
+            <a:noFill/>
+          </a:ln>
+          <a:effectLst>
+            <a:outerShdw blurRad="254000" dist="38100" dir="16200000" rotWithShape="0">
+              <a:prstClr val="black">
+                <a:alpha val="10000"/>
+              </a:prstClr>
+            </a:outerShdw>
+          </a:effectLst>
+        </p:spPr>
+        <p:style>
+          <a:lnRef idx="2">
+            <a:schemeClr val="accent1">
+              <a:shade val="15000"/>
+            </a:schemeClr>
+          </a:lnRef>
+          <a:fillRef idx="1">
+            <a:schemeClr val="accent1"/>
+          </a:fillRef>
+          <a:effectRef idx="0">
+            <a:schemeClr val="accent1"/>
+          </a:effectRef>
+          <a:fontRef idx="minor">
+            <a:schemeClr val="lt1"/>
+          </a:fontRef>
+        </p:style>
+        <p:txBody>
+          <a:bodyPr rtlCol="0" anchor="ctr"/>
+          <a:lstStyle/>
+          <a:p>
+            <a:pPr algn="ctr"/>
+            <a:endParaRPr lang="ko-KR" altLang="en-US"/>
+          </a:p>
+        </p:txBody>
+      </p:sp>
+      <p:sp>
+        <p:nvSpPr>
+          <p:cNvPr id="19" name="직사각형 18">
+            <a:extLst>
+              <a:ext uri="{FF2B5EF4-FFF2-40B4-BE49-F238E27FC236}">
+                <a16:creationId xmlns:a16="http://schemas.microsoft.com/office/drawing/2014/main" id="{EB5E9EAD-668C-9E4F-8D98-D1FAB96CAA8F}"/>
+              </a:ext>
+            </a:extLst>
+          </p:cNvPr>
+          <p:cNvSpPr/>
+          <p:nvPr/>
+        </p:nvSpPr>
+        <p:spPr>
+          <a:xfrm>
+            <a:off x="5674660" y="2276475"/>
+            <a:ext cx="3083856" cy="3890962"/>
+          </a:xfrm>
+          <a:prstGeom prst="rect">
+            <a:avLst/>
+          </a:prstGeom>
+          <a:solidFill>
+            <a:schemeClr val="bg1"/>
+          </a:solidFill>
+          <a:ln>
+            <a:noFill/>
+          </a:ln>
+        </p:spPr>
+        <p:style>
+          <a:lnRef idx="2">
+            <a:schemeClr val="accent1">
+              <a:shade val="15000"/>
+            </a:schemeClr>
+          </a:lnRef>
+          <a:fillRef idx="1">
+            <a:schemeClr val="accent1"/>
+          </a:fillRef>
+          <a:effectRef idx="0">
+            <a:schemeClr val="accent1"/>
+          </a:effectRef>
+          <a:fontRef idx="minor">
+            <a:schemeClr val="lt1"/>
+          </a:fontRef>
+        </p:style>
+        <p:txBody>
+          <a:bodyPr rtlCol="0" anchor="ctr"/>
+          <a:lstStyle/>
+          <a:p>
+            <a:pPr algn="ctr"/>
+            <a:endParaRPr lang="ko-KR" altLang="en-US"/>
+          </a:p>
+        </p:txBody>
+      </p:sp>
+      <p:sp>
+        <p:nvSpPr>
+          <p:cNvPr id="22" name="TextBox 21">
+            <a:extLst>
+              <a:ext uri="{FF2B5EF4-FFF2-40B4-BE49-F238E27FC236}">
+                <a16:creationId xmlns:a16="http://schemas.microsoft.com/office/drawing/2014/main" id="{A7A81231-A579-5CA1-D80A-4FC75A2E5752}"/>
+              </a:ext>
+            </a:extLst>
+          </p:cNvPr>
+          <p:cNvSpPr txBox="1"/>
+          <p:nvPr/>
+        </p:nvSpPr>
+        <p:spPr>
+          <a:xfrm>
+            <a:off x="6546418" y="1029865"/>
+            <a:ext cx="1330814" cy="369332"/>
+          </a:xfrm>
+          <a:prstGeom prst="rect">
+            <a:avLst/>
+          </a:prstGeom>
+          <a:noFill/>
+        </p:spPr>
+        <p:txBody>
+          <a:bodyPr wrap="none" rtlCol="0">
+            <a:spAutoFit/>
+          </a:bodyPr>
+          <a:lstStyle/>
+          <a:p>
+            <a:r>
+              <a:rPr lang="ko-KR" altLang="en-US" dirty="0">
+                <a:solidFill>
+                  <a:srgbClr val="FFFFFF">
+                    <a:alpha val="70000"/>
+                  </a:srgbClr>
+                </a:solidFill>
+                <a:latin typeface="나눔고딕 ExtraBold" panose="020D0904000000000000" pitchFamily="50" charset="-127"/>
+                <a:ea typeface="나눔고딕 ExtraBold" panose="020D0904000000000000" pitchFamily="50" charset="-127"/>
+              </a:rPr>
+              <a:t>텍스트 메모</a:t>
+            </a:r>
+          </a:p>
+        </p:txBody>
+      </p:sp>
+      <p:sp>
+        <p:nvSpPr>
+          <p:cNvPr id="23" name="TextBox 22">
+            <a:extLst>
+              <a:ext uri="{FF2B5EF4-FFF2-40B4-BE49-F238E27FC236}">
+                <a16:creationId xmlns:a16="http://schemas.microsoft.com/office/drawing/2014/main" id="{045D94AC-6D33-BE64-C092-C5752EBB3A2B}"/>
+              </a:ext>
+            </a:extLst>
+          </p:cNvPr>
+          <p:cNvSpPr txBox="1"/>
+          <p:nvPr/>
+        </p:nvSpPr>
+        <p:spPr>
+          <a:xfrm>
+            <a:off x="5871278" y="2647197"/>
+            <a:ext cx="2681094" cy="923330"/>
+          </a:xfrm>
+          <a:prstGeom prst="rect">
+            <a:avLst/>
+          </a:prstGeom>
+          <a:noFill/>
+        </p:spPr>
+        <p:txBody>
+          <a:bodyPr wrap="square" rtlCol="0">
+            <a:spAutoFit/>
+          </a:bodyPr>
+          <a:lstStyle/>
+          <a:p>
+            <a:r>
+              <a:rPr lang="ko-KR" altLang="en-US" b="1" dirty="0">
+                <a:latin typeface="나눔고딕" panose="020D0604000000000000" pitchFamily="50" charset="-127"/>
+                <a:ea typeface="나눔고딕" panose="020D0604000000000000" pitchFamily="50" charset="-127"/>
+              </a:rPr>
+              <a:t>내일 </a:t>
+            </a:r>
+            <a:r>
+              <a:rPr lang="en-US" altLang="ko-KR" b="1" dirty="0">
+                <a:latin typeface="나눔고딕" panose="020D0604000000000000" pitchFamily="50" charset="-127"/>
+                <a:ea typeface="나눔고딕" panose="020D0604000000000000" pitchFamily="50" charset="-127"/>
+              </a:rPr>
+              <a:t>10</a:t>
+            </a:r>
+            <a:r>
+              <a:rPr lang="ko-KR" altLang="en-US" b="1" dirty="0">
+                <a:latin typeface="나눔고딕" panose="020D0604000000000000" pitchFamily="50" charset="-127"/>
+                <a:ea typeface="나눔고딕" panose="020D0604000000000000" pitchFamily="50" charset="-127"/>
+              </a:rPr>
+              <a:t>시에 한국교통대</a:t>
+            </a:r>
+            <a:endParaRPr lang="en-US" altLang="ko-KR" b="1" dirty="0">
+              <a:latin typeface="나눔고딕" panose="020D0604000000000000" pitchFamily="50" charset="-127"/>
+              <a:ea typeface="나눔고딕" panose="020D0604000000000000" pitchFamily="50" charset="-127"/>
+            </a:endParaRPr>
+          </a:p>
+          <a:p>
+            <a:r>
+              <a:rPr lang="ko-KR" altLang="en-US" b="1" dirty="0" err="1">
+                <a:latin typeface="나눔고딕" panose="020D0604000000000000" pitchFamily="50" charset="-127"/>
+                <a:ea typeface="나눔고딕" panose="020D0604000000000000" pitchFamily="50" charset="-127"/>
+              </a:rPr>
+              <a:t>정문쪽</a:t>
+            </a:r>
+            <a:r>
+              <a:rPr lang="ko-KR" altLang="en-US" b="1" dirty="0">
+                <a:latin typeface="나눔고딕" panose="020D0604000000000000" pitchFamily="50" charset="-127"/>
+                <a:ea typeface="나눔고딕" panose="020D0604000000000000" pitchFamily="50" charset="-127"/>
+              </a:rPr>
+              <a:t> 카페에서 미팅</a:t>
+            </a:r>
+            <a:endParaRPr lang="en-US" altLang="ko-KR" b="1" dirty="0">
+              <a:latin typeface="나눔고딕" panose="020D0604000000000000" pitchFamily="50" charset="-127"/>
+              <a:ea typeface="나눔고딕" panose="020D0604000000000000" pitchFamily="50" charset="-127"/>
+            </a:endParaRPr>
+          </a:p>
+          <a:p>
+            <a:r>
+              <a:rPr lang="ko-KR" altLang="en-US" b="1" dirty="0" err="1">
+                <a:solidFill>
+                  <a:srgbClr val="4183F3"/>
+                </a:solidFill>
+                <a:latin typeface="나눔고딕" panose="020D0604000000000000" pitchFamily="50" charset="-127"/>
+                <a:ea typeface="나눔고딕" panose="020D0604000000000000" pitchFamily="50" charset="-127"/>
+              </a:rPr>
+              <a:t>입력중</a:t>
+            </a:r>
+            <a:r>
+              <a:rPr lang="en-US" altLang="ko-KR" b="1" dirty="0">
+                <a:solidFill>
+                  <a:srgbClr val="4183F3"/>
+                </a:solidFill>
+                <a:latin typeface="나눔고딕" panose="020D0604000000000000" pitchFamily="50" charset="-127"/>
+                <a:ea typeface="나눔고딕" panose="020D0604000000000000" pitchFamily="50" charset="-127"/>
+              </a:rPr>
+              <a:t>…</a:t>
+            </a:r>
+            <a:endParaRPr lang="ko-KR" altLang="en-US" b="1" dirty="0">
+              <a:solidFill>
+                <a:srgbClr val="4183F3"/>
+              </a:solidFill>
+              <a:latin typeface="나눔고딕" panose="020D0604000000000000" pitchFamily="50" charset="-127"/>
+              <a:ea typeface="나눔고딕" panose="020D0604000000000000" pitchFamily="50" charset="-127"/>
+            </a:endParaRPr>
+          </a:p>
+        </p:txBody>
+      </p:sp>
+      <p:sp>
+        <p:nvSpPr>
+          <p:cNvPr id="25" name="사각형: 둥근 모서리 24">
+            <a:extLst>
+              <a:ext uri="{FF2B5EF4-FFF2-40B4-BE49-F238E27FC236}">
+                <a16:creationId xmlns:a16="http://schemas.microsoft.com/office/drawing/2014/main" id="{C5EE768E-D246-157D-2591-78ED191A89FE}"/>
+              </a:ext>
+            </a:extLst>
+          </p:cNvPr>
+          <p:cNvSpPr/>
+          <p:nvPr/>
+        </p:nvSpPr>
+        <p:spPr>
+          <a:xfrm>
+            <a:off x="5871278" y="5328074"/>
+            <a:ext cx="2628900" cy="500061"/>
+          </a:xfrm>
+          <a:prstGeom prst="roundRect">
+            <a:avLst>
+              <a:gd name="adj" fmla="val 50000"/>
+            </a:avLst>
+          </a:prstGeom>
+          <a:solidFill>
+            <a:schemeClr val="bg1"/>
+          </a:solidFill>
+          <a:ln>
+            <a:noFill/>
+          </a:ln>
+          <a:effectLst>
+            <a:outerShdw blurRad="12700" dist="38100" dir="5400000" algn="t" rotWithShape="0">
+              <a:prstClr val="black">
+                <a:alpha val="40000"/>
+              </a:prstClr>
+            </a:outerShdw>
+          </a:effectLst>
+        </p:spPr>
+        <p:style>
+          <a:lnRef idx="2">
+            <a:schemeClr val="accent1">
+              <a:shade val="15000"/>
+            </a:schemeClr>
+          </a:lnRef>
+          <a:fillRef idx="1">
+            <a:schemeClr val="accent1"/>
+          </a:fillRef>
+          <a:effectRef idx="0">
+            <a:schemeClr val="accent1"/>
+          </a:effectRef>
+          <a:fontRef idx="minor">
+            <a:schemeClr val="lt1"/>
+          </a:fontRef>
+        </p:style>
+        <p:txBody>
+          <a:bodyPr rtlCol="0" anchor="ctr"/>
+          <a:lstStyle/>
+          <a:p>
+            <a:pPr algn="ctr"/>
+            <a:r>
+              <a:rPr lang="ko-KR" altLang="en-US" sz="1600" dirty="0">
+                <a:solidFill>
+                  <a:srgbClr val="701589"/>
+                </a:solidFill>
+                <a:latin typeface="나눔고딕 ExtraBold" panose="020D0904000000000000" pitchFamily="50" charset="-127"/>
+                <a:ea typeface="나눔고딕 ExtraBold" panose="020D0904000000000000" pitchFamily="50" charset="-127"/>
+              </a:rPr>
+              <a:t>메모 저장</a:t>
+            </a:r>
+          </a:p>
+        </p:txBody>
+      </p:sp>
+      <p:sp>
+        <p:nvSpPr>
+          <p:cNvPr id="26" name="사각형: 둥근 모서리 25">
+            <a:extLst>
+              <a:ext uri="{FF2B5EF4-FFF2-40B4-BE49-F238E27FC236}">
+                <a16:creationId xmlns:a16="http://schemas.microsoft.com/office/drawing/2014/main" id="{9E82290E-C475-1CC1-8935-E4B829AF1F3E}"/>
+              </a:ext>
+            </a:extLst>
+          </p:cNvPr>
+          <p:cNvSpPr/>
+          <p:nvPr/>
+        </p:nvSpPr>
+        <p:spPr>
+          <a:xfrm>
+            <a:off x="5871278" y="4738127"/>
+            <a:ext cx="2628900" cy="500061"/>
+          </a:xfrm>
+          <a:prstGeom prst="roundRect">
+            <a:avLst>
+              <a:gd name="adj" fmla="val 50000"/>
+            </a:avLst>
+          </a:prstGeom>
+          <a:solidFill>
+            <a:srgbClr val="FFFF00"/>
+          </a:solidFill>
+          <a:ln>
+            <a:noFill/>
+          </a:ln>
+          <a:effectLst>
+            <a:outerShdw blurRad="12700" dist="38100" dir="5400000" algn="t" rotWithShape="0">
+              <a:prstClr val="black">
+                <a:alpha val="40000"/>
+              </a:prstClr>
+            </a:outerShdw>
+          </a:effectLst>
+        </p:spPr>
+        <p:style>
+          <a:lnRef idx="2">
+            <a:schemeClr val="accent1">
+              <a:shade val="15000"/>
+            </a:schemeClr>
+          </a:lnRef>
+          <a:fillRef idx="1">
+            <a:schemeClr val="accent1"/>
+          </a:fillRef>
+          <a:effectRef idx="0">
+            <a:schemeClr val="accent1"/>
+          </a:effectRef>
+          <a:fontRef idx="minor">
+            <a:schemeClr val="lt1"/>
+          </a:fontRef>
+        </p:style>
+        <p:txBody>
+          <a:bodyPr rtlCol="0" anchor="ctr"/>
+          <a:lstStyle/>
+          <a:p>
+            <a:pPr algn="ctr"/>
+            <a:r>
+              <a:rPr lang="ko-KR" altLang="en-US" sz="1600" dirty="0">
+                <a:solidFill>
+                  <a:srgbClr val="701589"/>
+                </a:solidFill>
+                <a:latin typeface="나눔고딕 ExtraBold" panose="020D0904000000000000" pitchFamily="50" charset="-127"/>
+                <a:ea typeface="나눔고딕 ExtraBold" panose="020D0904000000000000" pitchFamily="50" charset="-127"/>
+              </a:rPr>
+              <a:t>메모 입력</a:t>
+            </a:r>
+          </a:p>
+        </p:txBody>
+      </p:sp>
+      <p:pic>
+        <p:nvPicPr>
+          <p:cNvPr id="28" name="그림 27" descr="그래픽, 클립아트, 상징, 그래픽 디자인이(가) 표시된 사진&#10;&#10;자동 생성된 설명">
+            <a:extLst>
+              <a:ext uri="{FF2B5EF4-FFF2-40B4-BE49-F238E27FC236}">
+                <a16:creationId xmlns:a16="http://schemas.microsoft.com/office/drawing/2014/main" id="{3172339C-C587-CAE8-4C65-56196CDB1527}"/>
+              </a:ext>
+            </a:extLst>
+          </p:cNvPr>
+          <p:cNvPicPr>
+            <a:picLocks noChangeAspect="1"/>
+          </p:cNvPicPr>
+          <p:nvPr/>
+        </p:nvPicPr>
+        <p:blipFill>
+          <a:blip r:embed="rId5">
+            <a:extLst>
+              <a:ext uri="{28A0092B-C50C-407E-A947-70E740481C1C}">
+                <a14:useLocalDpi xmlns:a14="http://schemas.microsoft.com/office/drawing/2010/main" val="0"/>
+              </a:ext>
+            </a:extLst>
+          </a:blip>
+          <a:stretch>
+            <a:fillRect/>
+          </a:stretch>
+        </p:blipFill>
+        <p:spPr>
+          <a:xfrm>
+            <a:off x="6892890" y="1919441"/>
+            <a:ext cx="637870" cy="637870"/>
+          </a:xfrm>
+          <a:prstGeom prst="rect">
+            <a:avLst/>
+          </a:prstGeom>
+        </p:spPr>
+      </p:pic>
+    </p:spTree>
+    <p:extLst>
+      <p:ext uri="{BB962C8B-B14F-4D97-AF65-F5344CB8AC3E}">
+        <p14:creationId xmlns:p14="http://schemas.microsoft.com/office/powerpoint/2010/main" val="2855594932"/>
+      </p:ext>
+    </p:extLst>
+  </p:cSld>
+  <p:clrMapOvr>
+    <a:masterClrMapping/>
+  </p:clrMapOvr>
+</p:sld>
+</file>
+
+<file path=ppt/slides/slide7.xml><?xml version="1.0" encoding="utf-8"?>
+<p:sld xmlns:a="http://schemas.openxmlformats.org/drawingml/2006/main" xmlns:r="http://schemas.openxmlformats.org/officeDocument/2006/relationships" xmlns:p="http://schemas.openxmlformats.org/presentationml/2006/main">
+  <p:cSld>
+    <p:bg>
+      <p:bgPr>
+        <a:solidFill>
+          <a:schemeClr val="bg1">
             <a:lumMod val="50000"/>
           </a:schemeClr>
         </a:solidFill>
@@ -5250,6 +6148,540 @@
     <p:extLst>
       <p:ext uri="{BB962C8B-B14F-4D97-AF65-F5344CB8AC3E}">
         <p14:creationId xmlns:p14="http://schemas.microsoft.com/office/powerpoint/2010/main" val="2746744585"/>
+      </p:ext>
+    </p:extLst>
+  </p:cSld>
+  <p:clrMapOvr>
+    <a:masterClrMapping/>
+  </p:clrMapOvr>
+</p:sld>
+</file>
+
+<file path=ppt/slides/slide8.xml><?xml version="1.0" encoding="utf-8"?>
+<p:sld xmlns:a="http://schemas.openxmlformats.org/drawingml/2006/main" xmlns:r="http://schemas.openxmlformats.org/officeDocument/2006/relationships" xmlns:p="http://schemas.openxmlformats.org/presentationml/2006/main">
+  <p:cSld>
+    <p:bg>
+      <p:bgPr>
+        <a:solidFill>
+          <a:schemeClr val="bg1">
+            <a:lumMod val="65000"/>
+          </a:schemeClr>
+        </a:solidFill>
+        <a:effectLst/>
+      </p:bgPr>
+    </p:bg>
+    <p:spTree>
+      <p:nvGrpSpPr>
+        <p:cNvPr id="1" name=""/>
+        <p:cNvGrpSpPr/>
+        <p:nvPr/>
+      </p:nvGrpSpPr>
+      <p:grpSpPr>
+        <a:xfrm>
+          <a:off x="0" y="0"/>
+          <a:ext cx="0" cy="0"/>
+          <a:chOff x="0" y="0"/>
+          <a:chExt cx="0" cy="0"/>
+        </a:xfrm>
+      </p:grpSpPr>
+      <p:sp>
+        <p:nvSpPr>
+          <p:cNvPr id="4" name="직사각형 3">
+            <a:extLst>
+              <a:ext uri="{FF2B5EF4-FFF2-40B4-BE49-F238E27FC236}">
+                <a16:creationId xmlns:a16="http://schemas.microsoft.com/office/drawing/2014/main" id="{A0715AD9-485B-72EB-A9DC-77C24806DFF8}"/>
+              </a:ext>
+            </a:extLst>
+          </p:cNvPr>
+          <p:cNvSpPr/>
+          <p:nvPr/>
+        </p:nvSpPr>
+        <p:spPr>
+          <a:xfrm>
+            <a:off x="2608937" y="-224290"/>
+            <a:ext cx="3669426" cy="7079246"/>
+          </a:xfrm>
+          <a:prstGeom prst="rect">
+            <a:avLst/>
+          </a:prstGeom>
+          <a:blipFill>
+            <a:blip r:embed="rId2"/>
+            <a:stretch>
+              <a:fillRect/>
+            </a:stretch>
+          </a:blipFill>
+          <a:ln>
+            <a:noFill/>
+          </a:ln>
+        </p:spPr>
+        <p:style>
+          <a:lnRef idx="2">
+            <a:schemeClr val="accent1">
+              <a:shade val="15000"/>
+            </a:schemeClr>
+          </a:lnRef>
+          <a:fillRef idx="1">
+            <a:schemeClr val="accent1"/>
+          </a:fillRef>
+          <a:effectRef idx="0">
+            <a:schemeClr val="accent1"/>
+          </a:effectRef>
+          <a:fontRef idx="minor">
+            <a:schemeClr val="lt1"/>
+          </a:fontRef>
+        </p:style>
+        <p:txBody>
+          <a:bodyPr rtlCol="0" anchor="ctr"/>
+          <a:lstStyle/>
+          <a:p>
+            <a:pPr algn="ctr"/>
+            <a:endParaRPr lang="ko-KR" altLang="en-US"/>
+          </a:p>
+        </p:txBody>
+      </p:sp>
+      <p:sp>
+        <p:nvSpPr>
+          <p:cNvPr id="5" name="사각형: 둥근 모서리 4">
+            <a:extLst>
+              <a:ext uri="{FF2B5EF4-FFF2-40B4-BE49-F238E27FC236}">
+                <a16:creationId xmlns:a16="http://schemas.microsoft.com/office/drawing/2014/main" id="{8D6631A1-3D5D-019E-FEEB-E102227CC14D}"/>
+              </a:ext>
+            </a:extLst>
+          </p:cNvPr>
+          <p:cNvSpPr/>
+          <p:nvPr/>
+        </p:nvSpPr>
+        <p:spPr>
+          <a:xfrm>
+            <a:off x="2608937" y="1531916"/>
+            <a:ext cx="3669426" cy="1109291"/>
+          </a:xfrm>
+          <a:prstGeom prst="roundRect">
+            <a:avLst>
+              <a:gd name="adj" fmla="val 48604"/>
+            </a:avLst>
+          </a:prstGeom>
+          <a:solidFill>
+            <a:schemeClr val="bg1"/>
+          </a:solidFill>
+          <a:ln>
+            <a:noFill/>
+          </a:ln>
+          <a:effectLst>
+            <a:outerShdw blurRad="254000" dist="38100" dir="16200000" rotWithShape="0">
+              <a:prstClr val="black">
+                <a:alpha val="10000"/>
+              </a:prstClr>
+            </a:outerShdw>
+          </a:effectLst>
+        </p:spPr>
+        <p:style>
+          <a:lnRef idx="2">
+            <a:schemeClr val="accent1">
+              <a:shade val="15000"/>
+            </a:schemeClr>
+          </a:lnRef>
+          <a:fillRef idx="1">
+            <a:schemeClr val="accent1"/>
+          </a:fillRef>
+          <a:effectRef idx="0">
+            <a:schemeClr val="accent1"/>
+          </a:effectRef>
+          <a:fontRef idx="minor">
+            <a:schemeClr val="lt1"/>
+          </a:fontRef>
+        </p:style>
+        <p:txBody>
+          <a:bodyPr rtlCol="0" anchor="ctr"/>
+          <a:lstStyle/>
+          <a:p>
+            <a:pPr algn="ctr"/>
+            <a:endParaRPr lang="ko-KR" altLang="en-US"/>
+          </a:p>
+        </p:txBody>
+      </p:sp>
+      <p:sp>
+        <p:nvSpPr>
+          <p:cNvPr id="6" name="직사각형 5">
+            <a:extLst>
+              <a:ext uri="{FF2B5EF4-FFF2-40B4-BE49-F238E27FC236}">
+                <a16:creationId xmlns:a16="http://schemas.microsoft.com/office/drawing/2014/main" id="{4A445033-B721-2434-4874-E3F16A7EEFC7}"/>
+              </a:ext>
+            </a:extLst>
+          </p:cNvPr>
+          <p:cNvSpPr/>
+          <p:nvPr/>
+        </p:nvSpPr>
+        <p:spPr>
+          <a:xfrm>
+            <a:off x="2608937" y="2086562"/>
+            <a:ext cx="3669426" cy="4768394"/>
+          </a:xfrm>
+          <a:prstGeom prst="rect">
+            <a:avLst/>
+          </a:prstGeom>
+          <a:solidFill>
+            <a:schemeClr val="bg1"/>
+          </a:solidFill>
+          <a:ln>
+            <a:noFill/>
+          </a:ln>
+        </p:spPr>
+        <p:style>
+          <a:lnRef idx="2">
+            <a:schemeClr val="accent1">
+              <a:shade val="15000"/>
+            </a:schemeClr>
+          </a:lnRef>
+          <a:fillRef idx="1">
+            <a:schemeClr val="accent1"/>
+          </a:fillRef>
+          <a:effectRef idx="0">
+            <a:schemeClr val="accent1"/>
+          </a:effectRef>
+          <a:fontRef idx="minor">
+            <a:schemeClr val="lt1"/>
+          </a:fontRef>
+        </p:style>
+        <p:txBody>
+          <a:bodyPr rtlCol="0" anchor="ctr"/>
+          <a:lstStyle/>
+          <a:p>
+            <a:pPr algn="ctr"/>
+            <a:endParaRPr lang="ko-KR" altLang="en-US"/>
+          </a:p>
+        </p:txBody>
+      </p:sp>
+      <p:sp>
+        <p:nvSpPr>
+          <p:cNvPr id="7" name="TextBox 6">
+            <a:extLst>
+              <a:ext uri="{FF2B5EF4-FFF2-40B4-BE49-F238E27FC236}">
+                <a16:creationId xmlns:a16="http://schemas.microsoft.com/office/drawing/2014/main" id="{AD037D5A-9755-E739-8063-53D5D7674E93}"/>
+              </a:ext>
+            </a:extLst>
+          </p:cNvPr>
+          <p:cNvSpPr txBox="1"/>
+          <p:nvPr/>
+        </p:nvSpPr>
+        <p:spPr>
+          <a:xfrm>
+            <a:off x="3586683" y="422981"/>
+            <a:ext cx="1713931" cy="461665"/>
+          </a:xfrm>
+          <a:prstGeom prst="rect">
+            <a:avLst/>
+          </a:prstGeom>
+          <a:noFill/>
+        </p:spPr>
+        <p:txBody>
+          <a:bodyPr wrap="none" rtlCol="0">
+            <a:spAutoFit/>
+          </a:bodyPr>
+          <a:lstStyle/>
+          <a:p>
+            <a:r>
+              <a:rPr lang="ko-KR" altLang="en-US" sz="2400" dirty="0">
+                <a:solidFill>
+                  <a:srgbClr val="FFFFFF">
+                    <a:alpha val="70000"/>
+                  </a:srgbClr>
+                </a:solidFill>
+                <a:latin typeface="나눔고딕 ExtraBold" panose="020D0904000000000000" pitchFamily="50" charset="-127"/>
+                <a:ea typeface="나눔고딕 ExtraBold" panose="020D0904000000000000" pitchFamily="50" charset="-127"/>
+              </a:rPr>
+              <a:t>텍스트 메모</a:t>
+            </a:r>
+          </a:p>
+        </p:txBody>
+      </p:sp>
+      <p:sp>
+        <p:nvSpPr>
+          <p:cNvPr id="8" name="TextBox 7">
+            <a:extLst>
+              <a:ext uri="{FF2B5EF4-FFF2-40B4-BE49-F238E27FC236}">
+                <a16:creationId xmlns:a16="http://schemas.microsoft.com/office/drawing/2014/main" id="{F1E4ACD4-E2BD-B57E-1A82-3D834264A02D}"/>
+              </a:ext>
+            </a:extLst>
+          </p:cNvPr>
+          <p:cNvSpPr txBox="1"/>
+          <p:nvPr/>
+        </p:nvSpPr>
+        <p:spPr>
+          <a:xfrm>
+            <a:off x="2866084" y="2670480"/>
+            <a:ext cx="3281067" cy="1200329"/>
+          </a:xfrm>
+          <a:prstGeom prst="rect">
+            <a:avLst/>
+          </a:prstGeom>
+          <a:noFill/>
+        </p:spPr>
+        <p:txBody>
+          <a:bodyPr wrap="square" rtlCol="0">
+            <a:spAutoFit/>
+          </a:bodyPr>
+          <a:lstStyle/>
+          <a:p>
+            <a:r>
+              <a:rPr lang="ko-KR" altLang="en-US" sz="2400" b="1" dirty="0">
+                <a:latin typeface="나눔고딕" panose="020D0604000000000000" pitchFamily="50" charset="-127"/>
+                <a:ea typeface="나눔고딕" panose="020D0604000000000000" pitchFamily="50" charset="-127"/>
+              </a:rPr>
+              <a:t>내일 </a:t>
+            </a:r>
+            <a:r>
+              <a:rPr lang="en-US" altLang="ko-KR" sz="2400" b="1" dirty="0">
+                <a:latin typeface="나눔고딕" panose="020D0604000000000000" pitchFamily="50" charset="-127"/>
+                <a:ea typeface="나눔고딕" panose="020D0604000000000000" pitchFamily="50" charset="-127"/>
+              </a:rPr>
+              <a:t>10</a:t>
+            </a:r>
+            <a:r>
+              <a:rPr lang="ko-KR" altLang="en-US" sz="2400" b="1" dirty="0">
+                <a:latin typeface="나눔고딕" panose="020D0604000000000000" pitchFamily="50" charset="-127"/>
+                <a:ea typeface="나눔고딕" panose="020D0604000000000000" pitchFamily="50" charset="-127"/>
+              </a:rPr>
+              <a:t>시에 </a:t>
+            </a:r>
+            <a:r>
+              <a:rPr lang="ko-KR" altLang="en-US" sz="2400" b="1" dirty="0" err="1">
+                <a:latin typeface="나눔고딕" panose="020D0604000000000000" pitchFamily="50" charset="-127"/>
+                <a:ea typeface="나눔고딕" panose="020D0604000000000000" pitchFamily="50" charset="-127"/>
+              </a:rPr>
+              <a:t>교통대</a:t>
+            </a:r>
+            <a:endParaRPr lang="en-US" altLang="ko-KR" sz="2400" b="1" dirty="0">
+              <a:latin typeface="나눔고딕" panose="020D0604000000000000" pitchFamily="50" charset="-127"/>
+              <a:ea typeface="나눔고딕" panose="020D0604000000000000" pitchFamily="50" charset="-127"/>
+            </a:endParaRPr>
+          </a:p>
+          <a:p>
+            <a:r>
+              <a:rPr lang="ko-KR" altLang="en-US" sz="2400" b="1" dirty="0" err="1">
+                <a:latin typeface="나눔고딕" panose="020D0604000000000000" pitchFamily="50" charset="-127"/>
+                <a:ea typeface="나눔고딕" panose="020D0604000000000000" pitchFamily="50" charset="-127"/>
+              </a:rPr>
+              <a:t>정문쪽</a:t>
+            </a:r>
+            <a:r>
+              <a:rPr lang="ko-KR" altLang="en-US" sz="2400" b="1" dirty="0">
+                <a:latin typeface="나눔고딕" panose="020D0604000000000000" pitchFamily="50" charset="-127"/>
+                <a:ea typeface="나눔고딕" panose="020D0604000000000000" pitchFamily="50" charset="-127"/>
+              </a:rPr>
+              <a:t> 카페에서 미팅</a:t>
+            </a:r>
+            <a:endParaRPr lang="en-US" altLang="ko-KR" sz="2400" b="1" dirty="0">
+              <a:latin typeface="나눔고딕" panose="020D0604000000000000" pitchFamily="50" charset="-127"/>
+              <a:ea typeface="나눔고딕" panose="020D0604000000000000" pitchFamily="50" charset="-127"/>
+            </a:endParaRPr>
+          </a:p>
+          <a:p>
+            <a:r>
+              <a:rPr lang="ko-KR" altLang="en-US" sz="2400" b="1" dirty="0" err="1">
+                <a:solidFill>
+                  <a:srgbClr val="701589"/>
+                </a:solidFill>
+                <a:latin typeface="나눔고딕" panose="020D0604000000000000" pitchFamily="50" charset="-127"/>
+                <a:ea typeface="나눔고딕" panose="020D0604000000000000" pitchFamily="50" charset="-127"/>
+              </a:rPr>
+              <a:t>입력중</a:t>
+            </a:r>
+            <a:r>
+              <a:rPr lang="en-US" altLang="ko-KR" sz="2400" b="1" dirty="0">
+                <a:solidFill>
+                  <a:srgbClr val="701589"/>
+                </a:solidFill>
+                <a:latin typeface="나눔고딕" panose="020D0604000000000000" pitchFamily="50" charset="-127"/>
+                <a:ea typeface="나눔고딕" panose="020D0604000000000000" pitchFamily="50" charset="-127"/>
+              </a:rPr>
+              <a:t>…</a:t>
+            </a:r>
+            <a:endParaRPr lang="ko-KR" altLang="en-US" sz="2400" b="1" dirty="0">
+              <a:solidFill>
+                <a:srgbClr val="701589"/>
+              </a:solidFill>
+              <a:latin typeface="나눔고딕" panose="020D0604000000000000" pitchFamily="50" charset="-127"/>
+              <a:ea typeface="나눔고딕" panose="020D0604000000000000" pitchFamily="50" charset="-127"/>
+            </a:endParaRPr>
+          </a:p>
+        </p:txBody>
+      </p:sp>
+      <p:pic>
+        <p:nvPicPr>
+          <p:cNvPr id="11" name="그림 10" descr="그래픽, 클립아트, 상징, 그래픽 디자인이(가) 표시된 사진&#10;&#10;자동 생성된 설명">
+            <a:extLst>
+              <a:ext uri="{FF2B5EF4-FFF2-40B4-BE49-F238E27FC236}">
+                <a16:creationId xmlns:a16="http://schemas.microsoft.com/office/drawing/2014/main" id="{6B1FC792-50EB-4829-2663-ACF3F8486C86}"/>
+              </a:ext>
+            </a:extLst>
+          </p:cNvPr>
+          <p:cNvPicPr>
+            <a:picLocks noChangeAspect="1"/>
+          </p:cNvPicPr>
+          <p:nvPr/>
+        </p:nvPicPr>
+        <p:blipFill>
+          <a:blip r:embed="rId3">
+            <a:extLst>
+              <a:ext uri="{28A0092B-C50C-407E-A947-70E740481C1C}">
+                <a14:useLocalDpi xmlns:a14="http://schemas.microsoft.com/office/drawing/2010/main" val="0"/>
+              </a:ext>
+            </a:extLst>
+          </a:blip>
+          <a:stretch>
+            <a:fillRect/>
+          </a:stretch>
+        </p:blipFill>
+        <p:spPr>
+          <a:xfrm>
+            <a:off x="4124714" y="1895879"/>
+            <a:ext cx="637870" cy="637870"/>
+          </a:xfrm>
+          <a:prstGeom prst="rect">
+            <a:avLst/>
+          </a:prstGeom>
+        </p:spPr>
+      </p:pic>
+      <p:sp>
+        <p:nvSpPr>
+          <p:cNvPr id="10" name="사각형: 둥근 모서리 9">
+            <a:extLst>
+              <a:ext uri="{FF2B5EF4-FFF2-40B4-BE49-F238E27FC236}">
+                <a16:creationId xmlns:a16="http://schemas.microsoft.com/office/drawing/2014/main" id="{98EBA32E-90C3-D4F4-535C-A3C910D8C092}"/>
+              </a:ext>
+            </a:extLst>
+          </p:cNvPr>
+          <p:cNvSpPr/>
+          <p:nvPr/>
+        </p:nvSpPr>
+        <p:spPr>
+          <a:xfrm>
+            <a:off x="2866084" y="5221712"/>
+            <a:ext cx="3155130" cy="609600"/>
+          </a:xfrm>
+          <a:prstGeom prst="roundRect">
+            <a:avLst>
+              <a:gd name="adj" fmla="val 50000"/>
+            </a:avLst>
+          </a:prstGeom>
+          <a:solidFill>
+            <a:srgbClr val="FFFF00"/>
+          </a:solidFill>
+          <a:ln>
+            <a:noFill/>
+          </a:ln>
+          <a:effectLst/>
+        </p:spPr>
+        <p:style>
+          <a:lnRef idx="2">
+            <a:schemeClr val="accent1">
+              <a:shade val="15000"/>
+            </a:schemeClr>
+          </a:lnRef>
+          <a:fillRef idx="1">
+            <a:schemeClr val="accent1"/>
+          </a:fillRef>
+          <a:effectRef idx="0">
+            <a:schemeClr val="accent1"/>
+          </a:effectRef>
+          <a:fontRef idx="minor">
+            <a:schemeClr val="lt1"/>
+          </a:fontRef>
+        </p:style>
+        <p:txBody>
+          <a:bodyPr rtlCol="0" anchor="ctr"/>
+          <a:lstStyle/>
+          <a:p>
+            <a:pPr algn="ctr"/>
+            <a:r>
+              <a:rPr lang="ko-KR" altLang="en-US" sz="2400" dirty="0">
+                <a:solidFill>
+                  <a:srgbClr val="701589"/>
+                </a:solidFill>
+                <a:latin typeface="나눔고딕 ExtraBold" panose="020D0904000000000000" pitchFamily="50" charset="-127"/>
+                <a:ea typeface="나눔고딕 ExtraBold" panose="020D0904000000000000" pitchFamily="50" charset="-127"/>
+              </a:rPr>
+              <a:t>메모 입력</a:t>
+            </a:r>
+          </a:p>
+        </p:txBody>
+      </p:sp>
+      <p:sp>
+        <p:nvSpPr>
+          <p:cNvPr id="13" name="사각형: 둥근 모서리 12">
+            <a:extLst>
+              <a:ext uri="{FF2B5EF4-FFF2-40B4-BE49-F238E27FC236}">
+                <a16:creationId xmlns:a16="http://schemas.microsoft.com/office/drawing/2014/main" id="{B1F157D5-D70C-B89F-2940-531188E29AAA}"/>
+              </a:ext>
+            </a:extLst>
+          </p:cNvPr>
+          <p:cNvSpPr/>
+          <p:nvPr/>
+        </p:nvSpPr>
+        <p:spPr>
+          <a:xfrm>
+            <a:off x="2866084" y="5959623"/>
+            <a:ext cx="3155130" cy="609600"/>
+          </a:xfrm>
+          <a:prstGeom prst="roundRect">
+            <a:avLst>
+              <a:gd name="adj" fmla="val 50000"/>
+            </a:avLst>
+          </a:prstGeom>
+          <a:solidFill>
+            <a:schemeClr val="bg1"/>
+          </a:solidFill>
+          <a:ln>
+            <a:noFill/>
+          </a:ln>
+          <a:effectLst/>
+        </p:spPr>
+        <p:style>
+          <a:lnRef idx="2">
+            <a:schemeClr val="accent1">
+              <a:shade val="15000"/>
+            </a:schemeClr>
+          </a:lnRef>
+          <a:fillRef idx="1">
+            <a:schemeClr val="accent1"/>
+          </a:fillRef>
+          <a:effectRef idx="0">
+            <a:schemeClr val="accent1"/>
+          </a:effectRef>
+          <a:fontRef idx="minor">
+            <a:schemeClr val="lt1"/>
+          </a:fontRef>
+        </p:style>
+        <p:txBody>
+          <a:bodyPr rtlCol="0" anchor="ctr"/>
+          <a:lstStyle/>
+          <a:p>
+            <a:pPr algn="ctr"/>
+            <a:r>
+              <a:rPr lang="ko-KR" altLang="en-US" sz="2400">
+                <a:solidFill>
+                  <a:srgbClr val="701589"/>
+                </a:solidFill>
+                <a:latin typeface="나눔고딕 ExtraBold" panose="020D0904000000000000" pitchFamily="50" charset="-127"/>
+                <a:ea typeface="나눔고딕 ExtraBold" panose="020D0904000000000000" pitchFamily="50" charset="-127"/>
+              </a:rPr>
+              <a:t>메모 저장</a:t>
+            </a:r>
+            <a:endParaRPr lang="ko-KR" altLang="en-US" sz="2400" dirty="0">
+              <a:solidFill>
+                <a:srgbClr val="701589"/>
+              </a:solidFill>
+              <a:latin typeface="나눔고딕 ExtraBold" panose="020D0904000000000000" pitchFamily="50" charset="-127"/>
+              <a:ea typeface="나눔고딕 ExtraBold" panose="020D0904000000000000" pitchFamily="50" charset="-127"/>
+            </a:endParaRPr>
+          </a:p>
+        </p:txBody>
+      </p:sp>
+    </p:spTree>
+    <p:extLst>
+      <p:ext uri="{BB962C8B-B14F-4D97-AF65-F5344CB8AC3E}">
+        <p14:creationId xmlns:p14="http://schemas.microsoft.com/office/powerpoint/2010/main" val="925502364"/>
       </p:ext>
     </p:extLst>
   </p:cSld>
